--- a/ppt 16-9/0397.耶稣！现代人的.pptx
+++ b/ppt 16-9/0397.耶稣！现代人的.pptx
@@ -129,7 +129,7 @@
           <p:cNvPr id="2" name="标题 1">
             <a:extLst>
               <a:ext uri="{FF2B5EF4-FFF2-40B4-BE49-F238E27FC236}">
-                <a16:creationId xmlns:a16="http://schemas.microsoft.com/office/drawing/2014/main" id="{4D07223D-864A-A734-8CD7-9450AEA00795}"/>
+                <a16:creationId xmlns:a16="http://schemas.microsoft.com/office/drawing/2014/main" id="{D03D7208-38DF-206A-FA89-14833217FAD1}"/>
               </a:ext>
             </a:extLst>
           </p:cNvPr>
@@ -166,7 +166,7 @@
           <p:cNvPr id="3" name="副标题 2">
             <a:extLst>
               <a:ext uri="{FF2B5EF4-FFF2-40B4-BE49-F238E27FC236}">
-                <a16:creationId xmlns:a16="http://schemas.microsoft.com/office/drawing/2014/main" id="{D30C8334-C56B-849D-99E5-B2A83410F683}"/>
+                <a16:creationId xmlns:a16="http://schemas.microsoft.com/office/drawing/2014/main" id="{292F7AA0-1813-C032-6211-D6C977974612}"/>
               </a:ext>
             </a:extLst>
           </p:cNvPr>
@@ -236,7 +236,7 @@
           <p:cNvPr id="4" name="日期占位符 3">
             <a:extLst>
               <a:ext uri="{FF2B5EF4-FFF2-40B4-BE49-F238E27FC236}">
-                <a16:creationId xmlns:a16="http://schemas.microsoft.com/office/drawing/2014/main" id="{ED70E0CC-4A7E-DFB9-0999-BDAADC75775E}"/>
+                <a16:creationId xmlns:a16="http://schemas.microsoft.com/office/drawing/2014/main" id="{7FFD6D3F-01A3-60C8-E69F-CA95464F95EC}"/>
               </a:ext>
             </a:extLst>
           </p:cNvPr>
@@ -252,7 +252,7 @@
           <a:bodyPr/>
           <a:lstStyle/>
           <a:p>
-            <a:fld id="{2B345446-B91C-405D-AAF7-141C74AB442C}" type="datetimeFigureOut">
+            <a:fld id="{9D2E084B-780B-4B8D-8894-085C8E62F857}" type="datetimeFigureOut">
               <a:rPr lang="zh-CN" altLang="en-US" smtClean="0"/>
               <a:t>2024/3/10</a:t>
             </a:fld>
@@ -265,7 +265,7 @@
           <p:cNvPr id="5" name="页脚占位符 4">
             <a:extLst>
               <a:ext uri="{FF2B5EF4-FFF2-40B4-BE49-F238E27FC236}">
-                <a16:creationId xmlns:a16="http://schemas.microsoft.com/office/drawing/2014/main" id="{C51FB3BA-A1DC-E05E-12B7-A2E00D8447C5}"/>
+                <a16:creationId xmlns:a16="http://schemas.microsoft.com/office/drawing/2014/main" id="{935C1F7B-FA38-E24F-0844-47613357A3F6}"/>
               </a:ext>
             </a:extLst>
           </p:cNvPr>
@@ -290,7 +290,7 @@
           <p:cNvPr id="6" name="灯片编号占位符 5">
             <a:extLst>
               <a:ext uri="{FF2B5EF4-FFF2-40B4-BE49-F238E27FC236}">
-                <a16:creationId xmlns:a16="http://schemas.microsoft.com/office/drawing/2014/main" id="{69569BF6-EC07-05D8-FF24-D69A560EC8D5}"/>
+                <a16:creationId xmlns:a16="http://schemas.microsoft.com/office/drawing/2014/main" id="{93C3CAB3-D83F-07C6-C8A6-21E1E265A715}"/>
               </a:ext>
             </a:extLst>
           </p:cNvPr>
@@ -306,7 +306,7 @@
           <a:bodyPr/>
           <a:lstStyle/>
           <a:p>
-            <a:fld id="{97FAF7AB-44CF-4FDF-A9CF-EB6C51BB1434}" type="slidenum">
+            <a:fld id="{1C6DB60C-283D-45FC-9A92-1D19C85FF454}" type="slidenum">
               <a:rPr lang="zh-CN" altLang="en-US" smtClean="0"/>
               <a:t>‹#›</a:t>
             </a:fld>
@@ -317,7 +317,7 @@
     </p:spTree>
     <p:extLst>
       <p:ext uri="{BB962C8B-B14F-4D97-AF65-F5344CB8AC3E}">
-        <p14:creationId xmlns:p14="http://schemas.microsoft.com/office/powerpoint/2010/main" val="2808768463"/>
+        <p14:creationId xmlns:p14="http://schemas.microsoft.com/office/powerpoint/2010/main" val="3039315396"/>
       </p:ext>
     </p:extLst>
   </p:cSld>
@@ -349,7 +349,7 @@
           <p:cNvPr id="2" name="标题 1">
             <a:extLst>
               <a:ext uri="{FF2B5EF4-FFF2-40B4-BE49-F238E27FC236}">
-                <a16:creationId xmlns:a16="http://schemas.microsoft.com/office/drawing/2014/main" id="{EFEC7F53-DB19-92E3-5BE4-692FBA93E232}"/>
+                <a16:creationId xmlns:a16="http://schemas.microsoft.com/office/drawing/2014/main" id="{33775DEC-100C-3EB7-0D80-8BED64822ED0}"/>
               </a:ext>
             </a:extLst>
           </p:cNvPr>
@@ -377,7 +377,7 @@
           <p:cNvPr id="3" name="竖排文字占位符 2">
             <a:extLst>
               <a:ext uri="{FF2B5EF4-FFF2-40B4-BE49-F238E27FC236}">
-                <a16:creationId xmlns:a16="http://schemas.microsoft.com/office/drawing/2014/main" id="{8D5214D3-0D6B-9FAE-7D1B-4BB95760448B}"/>
+                <a16:creationId xmlns:a16="http://schemas.microsoft.com/office/drawing/2014/main" id="{A9CDEE5F-917A-3FF4-CFB3-F93938493F71}"/>
               </a:ext>
             </a:extLst>
           </p:cNvPr>
@@ -434,7 +434,7 @@
           <p:cNvPr id="4" name="日期占位符 3">
             <a:extLst>
               <a:ext uri="{FF2B5EF4-FFF2-40B4-BE49-F238E27FC236}">
-                <a16:creationId xmlns:a16="http://schemas.microsoft.com/office/drawing/2014/main" id="{9176F734-0B53-9188-766E-7A5AFC79B066}"/>
+                <a16:creationId xmlns:a16="http://schemas.microsoft.com/office/drawing/2014/main" id="{5DBAD6FB-14B1-974E-1502-5519383B30DD}"/>
               </a:ext>
             </a:extLst>
           </p:cNvPr>
@@ -450,7 +450,7 @@
           <a:bodyPr/>
           <a:lstStyle/>
           <a:p>
-            <a:fld id="{2B345446-B91C-405D-AAF7-141C74AB442C}" type="datetimeFigureOut">
+            <a:fld id="{9D2E084B-780B-4B8D-8894-085C8E62F857}" type="datetimeFigureOut">
               <a:rPr lang="zh-CN" altLang="en-US" smtClean="0"/>
               <a:t>2024/3/10</a:t>
             </a:fld>
@@ -463,7 +463,7 @@
           <p:cNvPr id="5" name="页脚占位符 4">
             <a:extLst>
               <a:ext uri="{FF2B5EF4-FFF2-40B4-BE49-F238E27FC236}">
-                <a16:creationId xmlns:a16="http://schemas.microsoft.com/office/drawing/2014/main" id="{DA451852-018D-991C-5413-C9CF0B47326D}"/>
+                <a16:creationId xmlns:a16="http://schemas.microsoft.com/office/drawing/2014/main" id="{F8F2CE73-2895-27FE-0D7A-D2E6E623421B}"/>
               </a:ext>
             </a:extLst>
           </p:cNvPr>
@@ -488,7 +488,7 @@
           <p:cNvPr id="6" name="灯片编号占位符 5">
             <a:extLst>
               <a:ext uri="{FF2B5EF4-FFF2-40B4-BE49-F238E27FC236}">
-                <a16:creationId xmlns:a16="http://schemas.microsoft.com/office/drawing/2014/main" id="{97A421A7-E679-C259-62CC-83F138577B88}"/>
+                <a16:creationId xmlns:a16="http://schemas.microsoft.com/office/drawing/2014/main" id="{F84E5063-C0E2-D434-B6D5-11F3C4F7930C}"/>
               </a:ext>
             </a:extLst>
           </p:cNvPr>
@@ -504,7 +504,7 @@
           <a:bodyPr/>
           <a:lstStyle/>
           <a:p>
-            <a:fld id="{97FAF7AB-44CF-4FDF-A9CF-EB6C51BB1434}" type="slidenum">
+            <a:fld id="{1C6DB60C-283D-45FC-9A92-1D19C85FF454}" type="slidenum">
               <a:rPr lang="zh-CN" altLang="en-US" smtClean="0"/>
               <a:t>‹#›</a:t>
             </a:fld>
@@ -515,7 +515,7 @@
     </p:spTree>
     <p:extLst>
       <p:ext uri="{BB962C8B-B14F-4D97-AF65-F5344CB8AC3E}">
-        <p14:creationId xmlns:p14="http://schemas.microsoft.com/office/powerpoint/2010/main" val="2749118228"/>
+        <p14:creationId xmlns:p14="http://schemas.microsoft.com/office/powerpoint/2010/main" val="559256206"/>
       </p:ext>
     </p:extLst>
   </p:cSld>
@@ -547,7 +547,7 @@
           <p:cNvPr id="2" name="竖排标题 1">
             <a:extLst>
               <a:ext uri="{FF2B5EF4-FFF2-40B4-BE49-F238E27FC236}">
-                <a16:creationId xmlns:a16="http://schemas.microsoft.com/office/drawing/2014/main" id="{C2C603DD-4020-1001-A57C-5F495E8774BF}"/>
+                <a16:creationId xmlns:a16="http://schemas.microsoft.com/office/drawing/2014/main" id="{B312D973-074A-EB48-2851-44E302753E70}"/>
               </a:ext>
             </a:extLst>
           </p:cNvPr>
@@ -580,7 +580,7 @@
           <p:cNvPr id="3" name="竖排文字占位符 2">
             <a:extLst>
               <a:ext uri="{FF2B5EF4-FFF2-40B4-BE49-F238E27FC236}">
-                <a16:creationId xmlns:a16="http://schemas.microsoft.com/office/drawing/2014/main" id="{F8AF45E8-9A11-B677-5B71-756B02ADEE14}"/>
+                <a16:creationId xmlns:a16="http://schemas.microsoft.com/office/drawing/2014/main" id="{02598CC0-3259-7B14-402D-4D25B35ED061}"/>
               </a:ext>
             </a:extLst>
           </p:cNvPr>
@@ -642,7 +642,7 @@
           <p:cNvPr id="4" name="日期占位符 3">
             <a:extLst>
               <a:ext uri="{FF2B5EF4-FFF2-40B4-BE49-F238E27FC236}">
-                <a16:creationId xmlns:a16="http://schemas.microsoft.com/office/drawing/2014/main" id="{C99F4E0B-5030-3F64-EDFD-F7331E3D3B04}"/>
+                <a16:creationId xmlns:a16="http://schemas.microsoft.com/office/drawing/2014/main" id="{E69DA934-2969-7F8D-B0C0-E0988BDFDF93}"/>
               </a:ext>
             </a:extLst>
           </p:cNvPr>
@@ -658,7 +658,7 @@
           <a:bodyPr/>
           <a:lstStyle/>
           <a:p>
-            <a:fld id="{2B345446-B91C-405D-AAF7-141C74AB442C}" type="datetimeFigureOut">
+            <a:fld id="{9D2E084B-780B-4B8D-8894-085C8E62F857}" type="datetimeFigureOut">
               <a:rPr lang="zh-CN" altLang="en-US" smtClean="0"/>
               <a:t>2024/3/10</a:t>
             </a:fld>
@@ -671,7 +671,7 @@
           <p:cNvPr id="5" name="页脚占位符 4">
             <a:extLst>
               <a:ext uri="{FF2B5EF4-FFF2-40B4-BE49-F238E27FC236}">
-                <a16:creationId xmlns:a16="http://schemas.microsoft.com/office/drawing/2014/main" id="{0C190B20-28FD-17B6-E3A6-168E4B6DDE33}"/>
+                <a16:creationId xmlns:a16="http://schemas.microsoft.com/office/drawing/2014/main" id="{D75F4576-CA3D-A311-D99E-B6F720840084}"/>
               </a:ext>
             </a:extLst>
           </p:cNvPr>
@@ -696,7 +696,7 @@
           <p:cNvPr id="6" name="灯片编号占位符 5">
             <a:extLst>
               <a:ext uri="{FF2B5EF4-FFF2-40B4-BE49-F238E27FC236}">
-                <a16:creationId xmlns:a16="http://schemas.microsoft.com/office/drawing/2014/main" id="{C3493F37-4E9B-5D4A-A3AF-290EBCFDC771}"/>
+                <a16:creationId xmlns:a16="http://schemas.microsoft.com/office/drawing/2014/main" id="{8CB1A941-BA13-1D82-B743-6749885284D1}"/>
               </a:ext>
             </a:extLst>
           </p:cNvPr>
@@ -712,7 +712,7 @@
           <a:bodyPr/>
           <a:lstStyle/>
           <a:p>
-            <a:fld id="{97FAF7AB-44CF-4FDF-A9CF-EB6C51BB1434}" type="slidenum">
+            <a:fld id="{1C6DB60C-283D-45FC-9A92-1D19C85FF454}" type="slidenum">
               <a:rPr lang="zh-CN" altLang="en-US" smtClean="0"/>
               <a:t>‹#›</a:t>
             </a:fld>
@@ -723,7 +723,7 @@
     </p:spTree>
     <p:extLst>
       <p:ext uri="{BB962C8B-B14F-4D97-AF65-F5344CB8AC3E}">
-        <p14:creationId xmlns:p14="http://schemas.microsoft.com/office/powerpoint/2010/main" val="2677531991"/>
+        <p14:creationId xmlns:p14="http://schemas.microsoft.com/office/powerpoint/2010/main" val="724718049"/>
       </p:ext>
     </p:extLst>
   </p:cSld>
@@ -755,7 +755,7 @@
           <p:cNvPr id="2" name="标题 1">
             <a:extLst>
               <a:ext uri="{FF2B5EF4-FFF2-40B4-BE49-F238E27FC236}">
-                <a16:creationId xmlns:a16="http://schemas.microsoft.com/office/drawing/2014/main" id="{23064C96-199A-F5A1-39EB-0E18C581087E}"/>
+                <a16:creationId xmlns:a16="http://schemas.microsoft.com/office/drawing/2014/main" id="{57D5A1C1-5165-A0CE-7819-2CFFCE1021F3}"/>
               </a:ext>
             </a:extLst>
           </p:cNvPr>
@@ -783,7 +783,7 @@
           <p:cNvPr id="3" name="内容占位符 2">
             <a:extLst>
               <a:ext uri="{FF2B5EF4-FFF2-40B4-BE49-F238E27FC236}">
-                <a16:creationId xmlns:a16="http://schemas.microsoft.com/office/drawing/2014/main" id="{492800CD-171F-CE65-B90D-576A2C42E3AF}"/>
+                <a16:creationId xmlns:a16="http://schemas.microsoft.com/office/drawing/2014/main" id="{F0C3A409-6AC2-31F5-BE23-80B0F5AD9794}"/>
               </a:ext>
             </a:extLst>
           </p:cNvPr>
@@ -840,7 +840,7 @@
           <p:cNvPr id="4" name="日期占位符 3">
             <a:extLst>
               <a:ext uri="{FF2B5EF4-FFF2-40B4-BE49-F238E27FC236}">
-                <a16:creationId xmlns:a16="http://schemas.microsoft.com/office/drawing/2014/main" id="{95C9079F-A831-3CCD-4967-567557E85694}"/>
+                <a16:creationId xmlns:a16="http://schemas.microsoft.com/office/drawing/2014/main" id="{FA226796-CCC7-0B7E-D935-7E8FD5BB8405}"/>
               </a:ext>
             </a:extLst>
           </p:cNvPr>
@@ -856,7 +856,7 @@
           <a:bodyPr/>
           <a:lstStyle/>
           <a:p>
-            <a:fld id="{2B345446-B91C-405D-AAF7-141C74AB442C}" type="datetimeFigureOut">
+            <a:fld id="{9D2E084B-780B-4B8D-8894-085C8E62F857}" type="datetimeFigureOut">
               <a:rPr lang="zh-CN" altLang="en-US" smtClean="0"/>
               <a:t>2024/3/10</a:t>
             </a:fld>
@@ -869,7 +869,7 @@
           <p:cNvPr id="5" name="页脚占位符 4">
             <a:extLst>
               <a:ext uri="{FF2B5EF4-FFF2-40B4-BE49-F238E27FC236}">
-                <a16:creationId xmlns:a16="http://schemas.microsoft.com/office/drawing/2014/main" id="{AF5B2943-1194-DBB5-A11A-24D1391762E1}"/>
+                <a16:creationId xmlns:a16="http://schemas.microsoft.com/office/drawing/2014/main" id="{8D415088-C74D-FB50-6015-633F08EBC525}"/>
               </a:ext>
             </a:extLst>
           </p:cNvPr>
@@ -894,7 +894,7 @@
           <p:cNvPr id="6" name="灯片编号占位符 5">
             <a:extLst>
               <a:ext uri="{FF2B5EF4-FFF2-40B4-BE49-F238E27FC236}">
-                <a16:creationId xmlns:a16="http://schemas.microsoft.com/office/drawing/2014/main" id="{E9733FC5-DAAB-7738-7963-1FEDFA245984}"/>
+                <a16:creationId xmlns:a16="http://schemas.microsoft.com/office/drawing/2014/main" id="{50067B9B-1704-D150-5425-108F5402C343}"/>
               </a:ext>
             </a:extLst>
           </p:cNvPr>
@@ -910,7 +910,7 @@
           <a:bodyPr/>
           <a:lstStyle/>
           <a:p>
-            <a:fld id="{97FAF7AB-44CF-4FDF-A9CF-EB6C51BB1434}" type="slidenum">
+            <a:fld id="{1C6DB60C-283D-45FC-9A92-1D19C85FF454}" type="slidenum">
               <a:rPr lang="zh-CN" altLang="en-US" smtClean="0"/>
               <a:t>‹#›</a:t>
             </a:fld>
@@ -921,7 +921,7 @@
     </p:spTree>
     <p:extLst>
       <p:ext uri="{BB962C8B-B14F-4D97-AF65-F5344CB8AC3E}">
-        <p14:creationId xmlns:p14="http://schemas.microsoft.com/office/powerpoint/2010/main" val="3738365566"/>
+        <p14:creationId xmlns:p14="http://schemas.microsoft.com/office/powerpoint/2010/main" val="2902750377"/>
       </p:ext>
     </p:extLst>
   </p:cSld>
@@ -953,7 +953,7 @@
           <p:cNvPr id="2" name="标题 1">
             <a:extLst>
               <a:ext uri="{FF2B5EF4-FFF2-40B4-BE49-F238E27FC236}">
-                <a16:creationId xmlns:a16="http://schemas.microsoft.com/office/drawing/2014/main" id="{4465B190-AC0B-4BE9-5577-500123A1DA56}"/>
+                <a16:creationId xmlns:a16="http://schemas.microsoft.com/office/drawing/2014/main" id="{247CF533-2A45-5EE2-82F5-D3AEE2EB8419}"/>
               </a:ext>
             </a:extLst>
           </p:cNvPr>
@@ -990,7 +990,7 @@
           <p:cNvPr id="3" name="文本占位符 2">
             <a:extLst>
               <a:ext uri="{FF2B5EF4-FFF2-40B4-BE49-F238E27FC236}">
-                <a16:creationId xmlns:a16="http://schemas.microsoft.com/office/drawing/2014/main" id="{341B57FA-0298-584F-AF49-B2992D8B5E5D}"/>
+                <a16:creationId xmlns:a16="http://schemas.microsoft.com/office/drawing/2014/main" id="{B4D75711-DD3D-909D-123D-B20740855884}"/>
               </a:ext>
             </a:extLst>
           </p:cNvPr>
@@ -1115,7 +1115,7 @@
           <p:cNvPr id="4" name="日期占位符 3">
             <a:extLst>
               <a:ext uri="{FF2B5EF4-FFF2-40B4-BE49-F238E27FC236}">
-                <a16:creationId xmlns:a16="http://schemas.microsoft.com/office/drawing/2014/main" id="{F61E808A-28C5-6700-3A70-12FC82728C50}"/>
+                <a16:creationId xmlns:a16="http://schemas.microsoft.com/office/drawing/2014/main" id="{51F25479-2EC4-DC0A-BB7E-868E117F9B99}"/>
               </a:ext>
             </a:extLst>
           </p:cNvPr>
@@ -1131,7 +1131,7 @@
           <a:bodyPr/>
           <a:lstStyle/>
           <a:p>
-            <a:fld id="{2B345446-B91C-405D-AAF7-141C74AB442C}" type="datetimeFigureOut">
+            <a:fld id="{9D2E084B-780B-4B8D-8894-085C8E62F857}" type="datetimeFigureOut">
               <a:rPr lang="zh-CN" altLang="en-US" smtClean="0"/>
               <a:t>2024/3/10</a:t>
             </a:fld>
@@ -1144,7 +1144,7 @@
           <p:cNvPr id="5" name="页脚占位符 4">
             <a:extLst>
               <a:ext uri="{FF2B5EF4-FFF2-40B4-BE49-F238E27FC236}">
-                <a16:creationId xmlns:a16="http://schemas.microsoft.com/office/drawing/2014/main" id="{E878404F-96D7-EA96-99C3-3F8049479F33}"/>
+                <a16:creationId xmlns:a16="http://schemas.microsoft.com/office/drawing/2014/main" id="{79941ADC-4E11-C3E3-6E65-E665F7AECD96}"/>
               </a:ext>
             </a:extLst>
           </p:cNvPr>
@@ -1169,7 +1169,7 @@
           <p:cNvPr id="6" name="灯片编号占位符 5">
             <a:extLst>
               <a:ext uri="{FF2B5EF4-FFF2-40B4-BE49-F238E27FC236}">
-                <a16:creationId xmlns:a16="http://schemas.microsoft.com/office/drawing/2014/main" id="{EED83D86-D487-A4B4-A1C8-2505E0E7D815}"/>
+                <a16:creationId xmlns:a16="http://schemas.microsoft.com/office/drawing/2014/main" id="{5B61BB8F-AF91-0A45-B477-E0B46E03A919}"/>
               </a:ext>
             </a:extLst>
           </p:cNvPr>
@@ -1185,7 +1185,7 @@
           <a:bodyPr/>
           <a:lstStyle/>
           <a:p>
-            <a:fld id="{97FAF7AB-44CF-4FDF-A9CF-EB6C51BB1434}" type="slidenum">
+            <a:fld id="{1C6DB60C-283D-45FC-9A92-1D19C85FF454}" type="slidenum">
               <a:rPr lang="zh-CN" altLang="en-US" smtClean="0"/>
               <a:t>‹#›</a:t>
             </a:fld>
@@ -1196,7 +1196,7 @@
     </p:spTree>
     <p:extLst>
       <p:ext uri="{BB962C8B-B14F-4D97-AF65-F5344CB8AC3E}">
-        <p14:creationId xmlns:p14="http://schemas.microsoft.com/office/powerpoint/2010/main" val="3103338539"/>
+        <p14:creationId xmlns:p14="http://schemas.microsoft.com/office/powerpoint/2010/main" val="3033625352"/>
       </p:ext>
     </p:extLst>
   </p:cSld>
@@ -1228,7 +1228,7 @@
           <p:cNvPr id="2" name="标题 1">
             <a:extLst>
               <a:ext uri="{FF2B5EF4-FFF2-40B4-BE49-F238E27FC236}">
-                <a16:creationId xmlns:a16="http://schemas.microsoft.com/office/drawing/2014/main" id="{0435F57D-ACAF-6D25-D74F-AA85B1BB7AEB}"/>
+                <a16:creationId xmlns:a16="http://schemas.microsoft.com/office/drawing/2014/main" id="{567560E4-7F70-802C-3DA5-F18A1A56C3BA}"/>
               </a:ext>
             </a:extLst>
           </p:cNvPr>
@@ -1256,7 +1256,7 @@
           <p:cNvPr id="3" name="内容占位符 2">
             <a:extLst>
               <a:ext uri="{FF2B5EF4-FFF2-40B4-BE49-F238E27FC236}">
-                <a16:creationId xmlns:a16="http://schemas.microsoft.com/office/drawing/2014/main" id="{BF34E567-E4D6-37AB-4E81-2018A404A03D}"/>
+                <a16:creationId xmlns:a16="http://schemas.microsoft.com/office/drawing/2014/main" id="{CCFF08C8-20AD-BD11-6EBB-FF01931AB457}"/>
               </a:ext>
             </a:extLst>
           </p:cNvPr>
@@ -1318,7 +1318,7 @@
           <p:cNvPr id="4" name="内容占位符 3">
             <a:extLst>
               <a:ext uri="{FF2B5EF4-FFF2-40B4-BE49-F238E27FC236}">
-                <a16:creationId xmlns:a16="http://schemas.microsoft.com/office/drawing/2014/main" id="{6DA3D07C-9FBF-831C-A4CF-84032DFF7E54}"/>
+                <a16:creationId xmlns:a16="http://schemas.microsoft.com/office/drawing/2014/main" id="{C45F215A-9AA8-1FDE-8F35-207DEAF8F09E}"/>
               </a:ext>
             </a:extLst>
           </p:cNvPr>
@@ -1380,7 +1380,7 @@
           <p:cNvPr id="5" name="日期占位符 4">
             <a:extLst>
               <a:ext uri="{FF2B5EF4-FFF2-40B4-BE49-F238E27FC236}">
-                <a16:creationId xmlns:a16="http://schemas.microsoft.com/office/drawing/2014/main" id="{CB565AED-5E01-5740-B222-D5CBF929F973}"/>
+                <a16:creationId xmlns:a16="http://schemas.microsoft.com/office/drawing/2014/main" id="{8AFB494A-52B8-4C76-E37C-8693CC504E8B}"/>
               </a:ext>
             </a:extLst>
           </p:cNvPr>
@@ -1396,7 +1396,7 @@
           <a:bodyPr/>
           <a:lstStyle/>
           <a:p>
-            <a:fld id="{2B345446-B91C-405D-AAF7-141C74AB442C}" type="datetimeFigureOut">
+            <a:fld id="{9D2E084B-780B-4B8D-8894-085C8E62F857}" type="datetimeFigureOut">
               <a:rPr lang="zh-CN" altLang="en-US" smtClean="0"/>
               <a:t>2024/3/10</a:t>
             </a:fld>
@@ -1409,7 +1409,7 @@
           <p:cNvPr id="6" name="页脚占位符 5">
             <a:extLst>
               <a:ext uri="{FF2B5EF4-FFF2-40B4-BE49-F238E27FC236}">
-                <a16:creationId xmlns:a16="http://schemas.microsoft.com/office/drawing/2014/main" id="{5D34FF35-D8BA-BA6D-2CC4-E393F660CC61}"/>
+                <a16:creationId xmlns:a16="http://schemas.microsoft.com/office/drawing/2014/main" id="{BD2D3121-582C-74C6-D1D4-90533B49E34A}"/>
               </a:ext>
             </a:extLst>
           </p:cNvPr>
@@ -1434,7 +1434,7 @@
           <p:cNvPr id="7" name="灯片编号占位符 6">
             <a:extLst>
               <a:ext uri="{FF2B5EF4-FFF2-40B4-BE49-F238E27FC236}">
-                <a16:creationId xmlns:a16="http://schemas.microsoft.com/office/drawing/2014/main" id="{8D7E9954-78A2-A233-76B7-0308D396B361}"/>
+                <a16:creationId xmlns:a16="http://schemas.microsoft.com/office/drawing/2014/main" id="{9F76926C-E541-E771-84B6-BA37040F80B4}"/>
               </a:ext>
             </a:extLst>
           </p:cNvPr>
@@ -1450,7 +1450,7 @@
           <a:bodyPr/>
           <a:lstStyle/>
           <a:p>
-            <a:fld id="{97FAF7AB-44CF-4FDF-A9CF-EB6C51BB1434}" type="slidenum">
+            <a:fld id="{1C6DB60C-283D-45FC-9A92-1D19C85FF454}" type="slidenum">
               <a:rPr lang="zh-CN" altLang="en-US" smtClean="0"/>
               <a:t>‹#›</a:t>
             </a:fld>
@@ -1461,7 +1461,7 @@
     </p:spTree>
     <p:extLst>
       <p:ext uri="{BB962C8B-B14F-4D97-AF65-F5344CB8AC3E}">
-        <p14:creationId xmlns:p14="http://schemas.microsoft.com/office/powerpoint/2010/main" val="1714544635"/>
+        <p14:creationId xmlns:p14="http://schemas.microsoft.com/office/powerpoint/2010/main" val="2707118524"/>
       </p:ext>
     </p:extLst>
   </p:cSld>
@@ -1493,7 +1493,7 @@
           <p:cNvPr id="2" name="标题 1">
             <a:extLst>
               <a:ext uri="{FF2B5EF4-FFF2-40B4-BE49-F238E27FC236}">
-                <a16:creationId xmlns:a16="http://schemas.microsoft.com/office/drawing/2014/main" id="{8FC29EC5-7B75-033E-76D5-AE98AA085CFE}"/>
+                <a16:creationId xmlns:a16="http://schemas.microsoft.com/office/drawing/2014/main" id="{AF65D894-BA9E-30D3-69A2-14CFEE1E4F67}"/>
               </a:ext>
             </a:extLst>
           </p:cNvPr>
@@ -1526,7 +1526,7 @@
           <p:cNvPr id="3" name="文本占位符 2">
             <a:extLst>
               <a:ext uri="{FF2B5EF4-FFF2-40B4-BE49-F238E27FC236}">
-                <a16:creationId xmlns:a16="http://schemas.microsoft.com/office/drawing/2014/main" id="{407DFDA2-D3D4-AF2E-43E5-2D3AC611BD6D}"/>
+                <a16:creationId xmlns:a16="http://schemas.microsoft.com/office/drawing/2014/main" id="{17CA592A-89E5-B5B2-80A7-666590F0E9AA}"/>
               </a:ext>
             </a:extLst>
           </p:cNvPr>
@@ -1597,7 +1597,7 @@
           <p:cNvPr id="4" name="内容占位符 3">
             <a:extLst>
               <a:ext uri="{FF2B5EF4-FFF2-40B4-BE49-F238E27FC236}">
-                <a16:creationId xmlns:a16="http://schemas.microsoft.com/office/drawing/2014/main" id="{A4F522F1-7890-DA21-998C-98509BA6403B}"/>
+                <a16:creationId xmlns:a16="http://schemas.microsoft.com/office/drawing/2014/main" id="{3EC8FC1A-AFB9-AD4F-E75C-7A7C9ECEF9D3}"/>
               </a:ext>
             </a:extLst>
           </p:cNvPr>
@@ -1659,7 +1659,7 @@
           <p:cNvPr id="5" name="文本占位符 4">
             <a:extLst>
               <a:ext uri="{FF2B5EF4-FFF2-40B4-BE49-F238E27FC236}">
-                <a16:creationId xmlns:a16="http://schemas.microsoft.com/office/drawing/2014/main" id="{992DA264-A8AA-3BB8-03B0-7B33BA79FA97}"/>
+                <a16:creationId xmlns:a16="http://schemas.microsoft.com/office/drawing/2014/main" id="{3F578382-8632-73A8-1930-B626C4BCB49E}"/>
               </a:ext>
             </a:extLst>
           </p:cNvPr>
@@ -1730,7 +1730,7 @@
           <p:cNvPr id="6" name="内容占位符 5">
             <a:extLst>
               <a:ext uri="{FF2B5EF4-FFF2-40B4-BE49-F238E27FC236}">
-                <a16:creationId xmlns:a16="http://schemas.microsoft.com/office/drawing/2014/main" id="{961A76FB-5677-DA34-3CDE-411947BDCB82}"/>
+                <a16:creationId xmlns:a16="http://schemas.microsoft.com/office/drawing/2014/main" id="{F410B64B-428B-8289-F87F-41FBF0195D3C}"/>
               </a:ext>
             </a:extLst>
           </p:cNvPr>
@@ -1792,7 +1792,7 @@
           <p:cNvPr id="7" name="日期占位符 6">
             <a:extLst>
               <a:ext uri="{FF2B5EF4-FFF2-40B4-BE49-F238E27FC236}">
-                <a16:creationId xmlns:a16="http://schemas.microsoft.com/office/drawing/2014/main" id="{836E86D0-A53C-7572-B028-F0DB05493F68}"/>
+                <a16:creationId xmlns:a16="http://schemas.microsoft.com/office/drawing/2014/main" id="{E5E00517-C651-2091-0BAC-3AD606483B02}"/>
               </a:ext>
             </a:extLst>
           </p:cNvPr>
@@ -1808,7 +1808,7 @@
           <a:bodyPr/>
           <a:lstStyle/>
           <a:p>
-            <a:fld id="{2B345446-B91C-405D-AAF7-141C74AB442C}" type="datetimeFigureOut">
+            <a:fld id="{9D2E084B-780B-4B8D-8894-085C8E62F857}" type="datetimeFigureOut">
               <a:rPr lang="zh-CN" altLang="en-US" smtClean="0"/>
               <a:t>2024/3/10</a:t>
             </a:fld>
@@ -1821,7 +1821,7 @@
           <p:cNvPr id="8" name="页脚占位符 7">
             <a:extLst>
               <a:ext uri="{FF2B5EF4-FFF2-40B4-BE49-F238E27FC236}">
-                <a16:creationId xmlns:a16="http://schemas.microsoft.com/office/drawing/2014/main" id="{96B03A8E-C559-79C3-D8C5-50E5AF5F4AAC}"/>
+                <a16:creationId xmlns:a16="http://schemas.microsoft.com/office/drawing/2014/main" id="{F611DB14-6BCD-93D2-E143-B5867FD48CC7}"/>
               </a:ext>
             </a:extLst>
           </p:cNvPr>
@@ -1846,7 +1846,7 @@
           <p:cNvPr id="9" name="灯片编号占位符 8">
             <a:extLst>
               <a:ext uri="{FF2B5EF4-FFF2-40B4-BE49-F238E27FC236}">
-                <a16:creationId xmlns:a16="http://schemas.microsoft.com/office/drawing/2014/main" id="{324ACE77-8C32-2A2C-4F03-3FFF20F3CA75}"/>
+                <a16:creationId xmlns:a16="http://schemas.microsoft.com/office/drawing/2014/main" id="{3FE71455-64E4-19FF-600A-078F3924DFE1}"/>
               </a:ext>
             </a:extLst>
           </p:cNvPr>
@@ -1862,7 +1862,7 @@
           <a:bodyPr/>
           <a:lstStyle/>
           <a:p>
-            <a:fld id="{97FAF7AB-44CF-4FDF-A9CF-EB6C51BB1434}" type="slidenum">
+            <a:fld id="{1C6DB60C-283D-45FC-9A92-1D19C85FF454}" type="slidenum">
               <a:rPr lang="zh-CN" altLang="en-US" smtClean="0"/>
               <a:t>‹#›</a:t>
             </a:fld>
@@ -1873,7 +1873,7 @@
     </p:spTree>
     <p:extLst>
       <p:ext uri="{BB962C8B-B14F-4D97-AF65-F5344CB8AC3E}">
-        <p14:creationId xmlns:p14="http://schemas.microsoft.com/office/powerpoint/2010/main" val="3122641426"/>
+        <p14:creationId xmlns:p14="http://schemas.microsoft.com/office/powerpoint/2010/main" val="1915138261"/>
       </p:ext>
     </p:extLst>
   </p:cSld>
@@ -1905,7 +1905,7 @@
           <p:cNvPr id="2" name="标题 1">
             <a:extLst>
               <a:ext uri="{FF2B5EF4-FFF2-40B4-BE49-F238E27FC236}">
-                <a16:creationId xmlns:a16="http://schemas.microsoft.com/office/drawing/2014/main" id="{7B0851F6-AA04-8632-B306-845B32A705CD}"/>
+                <a16:creationId xmlns:a16="http://schemas.microsoft.com/office/drawing/2014/main" id="{2B11A33D-BDA6-705F-BED5-CA22D2F03956}"/>
               </a:ext>
             </a:extLst>
           </p:cNvPr>
@@ -1933,7 +1933,7 @@
           <p:cNvPr id="3" name="日期占位符 2">
             <a:extLst>
               <a:ext uri="{FF2B5EF4-FFF2-40B4-BE49-F238E27FC236}">
-                <a16:creationId xmlns:a16="http://schemas.microsoft.com/office/drawing/2014/main" id="{B2B4F1E5-1882-17B6-44E5-A34CB6D375BA}"/>
+                <a16:creationId xmlns:a16="http://schemas.microsoft.com/office/drawing/2014/main" id="{3D7B0AFD-E25C-3467-045D-52820DA87EDA}"/>
               </a:ext>
             </a:extLst>
           </p:cNvPr>
@@ -1949,7 +1949,7 @@
           <a:bodyPr/>
           <a:lstStyle/>
           <a:p>
-            <a:fld id="{2B345446-B91C-405D-AAF7-141C74AB442C}" type="datetimeFigureOut">
+            <a:fld id="{9D2E084B-780B-4B8D-8894-085C8E62F857}" type="datetimeFigureOut">
               <a:rPr lang="zh-CN" altLang="en-US" smtClean="0"/>
               <a:t>2024/3/10</a:t>
             </a:fld>
@@ -1962,7 +1962,7 @@
           <p:cNvPr id="4" name="页脚占位符 3">
             <a:extLst>
               <a:ext uri="{FF2B5EF4-FFF2-40B4-BE49-F238E27FC236}">
-                <a16:creationId xmlns:a16="http://schemas.microsoft.com/office/drawing/2014/main" id="{46F9DA75-5789-513F-ED0F-3C8A1E857FC3}"/>
+                <a16:creationId xmlns:a16="http://schemas.microsoft.com/office/drawing/2014/main" id="{9325658B-F595-6EDB-5D89-5CD1EF80FBE6}"/>
               </a:ext>
             </a:extLst>
           </p:cNvPr>
@@ -1987,7 +1987,7 @@
           <p:cNvPr id="5" name="灯片编号占位符 4">
             <a:extLst>
               <a:ext uri="{FF2B5EF4-FFF2-40B4-BE49-F238E27FC236}">
-                <a16:creationId xmlns:a16="http://schemas.microsoft.com/office/drawing/2014/main" id="{A6A4342C-F7CE-03CB-DDB7-742B2298BDAF}"/>
+                <a16:creationId xmlns:a16="http://schemas.microsoft.com/office/drawing/2014/main" id="{1F2EDC7E-889D-D036-FFC7-C2CC0E378FD2}"/>
               </a:ext>
             </a:extLst>
           </p:cNvPr>
@@ -2003,7 +2003,7 @@
           <a:bodyPr/>
           <a:lstStyle/>
           <a:p>
-            <a:fld id="{97FAF7AB-44CF-4FDF-A9CF-EB6C51BB1434}" type="slidenum">
+            <a:fld id="{1C6DB60C-283D-45FC-9A92-1D19C85FF454}" type="slidenum">
               <a:rPr lang="zh-CN" altLang="en-US" smtClean="0"/>
               <a:t>‹#›</a:t>
             </a:fld>
@@ -2014,7 +2014,7 @@
     </p:spTree>
     <p:extLst>
       <p:ext uri="{BB962C8B-B14F-4D97-AF65-F5344CB8AC3E}">
-        <p14:creationId xmlns:p14="http://schemas.microsoft.com/office/powerpoint/2010/main" val="3121782815"/>
+        <p14:creationId xmlns:p14="http://schemas.microsoft.com/office/powerpoint/2010/main" val="825874469"/>
       </p:ext>
     </p:extLst>
   </p:cSld>
@@ -2046,7 +2046,7 @@
           <p:cNvPr id="2" name="日期占位符 1">
             <a:extLst>
               <a:ext uri="{FF2B5EF4-FFF2-40B4-BE49-F238E27FC236}">
-                <a16:creationId xmlns:a16="http://schemas.microsoft.com/office/drawing/2014/main" id="{E489CDEC-7A5F-0F8D-841F-DD9667801F14}"/>
+                <a16:creationId xmlns:a16="http://schemas.microsoft.com/office/drawing/2014/main" id="{ADD81C28-76DF-F479-D77A-F5CCAC76EDDD}"/>
               </a:ext>
             </a:extLst>
           </p:cNvPr>
@@ -2062,7 +2062,7 @@
           <a:bodyPr/>
           <a:lstStyle/>
           <a:p>
-            <a:fld id="{2B345446-B91C-405D-AAF7-141C74AB442C}" type="datetimeFigureOut">
+            <a:fld id="{9D2E084B-780B-4B8D-8894-085C8E62F857}" type="datetimeFigureOut">
               <a:rPr lang="zh-CN" altLang="en-US" smtClean="0"/>
               <a:t>2024/3/10</a:t>
             </a:fld>
@@ -2075,7 +2075,7 @@
           <p:cNvPr id="3" name="页脚占位符 2">
             <a:extLst>
               <a:ext uri="{FF2B5EF4-FFF2-40B4-BE49-F238E27FC236}">
-                <a16:creationId xmlns:a16="http://schemas.microsoft.com/office/drawing/2014/main" id="{C30FB95A-0174-4403-E13D-5AE29A53B3EE}"/>
+                <a16:creationId xmlns:a16="http://schemas.microsoft.com/office/drawing/2014/main" id="{67A3D073-C8F9-47D4-7DC1-11F4D0C5E621}"/>
               </a:ext>
             </a:extLst>
           </p:cNvPr>
@@ -2100,7 +2100,7 @@
           <p:cNvPr id="4" name="灯片编号占位符 3">
             <a:extLst>
               <a:ext uri="{FF2B5EF4-FFF2-40B4-BE49-F238E27FC236}">
-                <a16:creationId xmlns:a16="http://schemas.microsoft.com/office/drawing/2014/main" id="{1786E4A5-2F3B-958E-267C-C38F683BA30A}"/>
+                <a16:creationId xmlns:a16="http://schemas.microsoft.com/office/drawing/2014/main" id="{4C660901-29C9-E53D-55CB-10A850AFCC94}"/>
               </a:ext>
             </a:extLst>
           </p:cNvPr>
@@ -2116,7 +2116,7 @@
           <a:bodyPr/>
           <a:lstStyle/>
           <a:p>
-            <a:fld id="{97FAF7AB-44CF-4FDF-A9CF-EB6C51BB1434}" type="slidenum">
+            <a:fld id="{1C6DB60C-283D-45FC-9A92-1D19C85FF454}" type="slidenum">
               <a:rPr lang="zh-CN" altLang="en-US" smtClean="0"/>
               <a:t>‹#›</a:t>
             </a:fld>
@@ -2127,7 +2127,7 @@
     </p:spTree>
     <p:extLst>
       <p:ext uri="{BB962C8B-B14F-4D97-AF65-F5344CB8AC3E}">
-        <p14:creationId xmlns:p14="http://schemas.microsoft.com/office/powerpoint/2010/main" val="2444652328"/>
+        <p14:creationId xmlns:p14="http://schemas.microsoft.com/office/powerpoint/2010/main" val="3326033839"/>
       </p:ext>
     </p:extLst>
   </p:cSld>
@@ -2159,7 +2159,7 @@
           <p:cNvPr id="2" name="标题 1">
             <a:extLst>
               <a:ext uri="{FF2B5EF4-FFF2-40B4-BE49-F238E27FC236}">
-                <a16:creationId xmlns:a16="http://schemas.microsoft.com/office/drawing/2014/main" id="{4EE59B10-E1BC-CA22-4758-D6AF68F9A0C6}"/>
+                <a16:creationId xmlns:a16="http://schemas.microsoft.com/office/drawing/2014/main" id="{19C123B7-C386-88D6-9472-6343E4BCA356}"/>
               </a:ext>
             </a:extLst>
           </p:cNvPr>
@@ -2196,7 +2196,7 @@
           <p:cNvPr id="3" name="内容占位符 2">
             <a:extLst>
               <a:ext uri="{FF2B5EF4-FFF2-40B4-BE49-F238E27FC236}">
-                <a16:creationId xmlns:a16="http://schemas.microsoft.com/office/drawing/2014/main" id="{BF51B434-FB02-7FB1-DA9B-3C7A5C47C56A}"/>
+                <a16:creationId xmlns:a16="http://schemas.microsoft.com/office/drawing/2014/main" id="{49004736-5390-E2AE-92F4-C03B8C8F5A5F}"/>
               </a:ext>
             </a:extLst>
           </p:cNvPr>
@@ -2286,7 +2286,7 @@
           <p:cNvPr id="4" name="文本占位符 3">
             <a:extLst>
               <a:ext uri="{FF2B5EF4-FFF2-40B4-BE49-F238E27FC236}">
-                <a16:creationId xmlns:a16="http://schemas.microsoft.com/office/drawing/2014/main" id="{E290DD0B-78DC-C852-1592-91907139C79C}"/>
+                <a16:creationId xmlns:a16="http://schemas.microsoft.com/office/drawing/2014/main" id="{AC7678FF-414A-D87C-0817-ABC339EA5EEE}"/>
               </a:ext>
             </a:extLst>
           </p:cNvPr>
@@ -2357,7 +2357,7 @@
           <p:cNvPr id="5" name="日期占位符 4">
             <a:extLst>
               <a:ext uri="{FF2B5EF4-FFF2-40B4-BE49-F238E27FC236}">
-                <a16:creationId xmlns:a16="http://schemas.microsoft.com/office/drawing/2014/main" id="{082FD1B3-B878-34F6-C9D1-409C48432CF8}"/>
+                <a16:creationId xmlns:a16="http://schemas.microsoft.com/office/drawing/2014/main" id="{09CE4601-39D0-31F9-75AD-61322549D41D}"/>
               </a:ext>
             </a:extLst>
           </p:cNvPr>
@@ -2373,7 +2373,7 @@
           <a:bodyPr/>
           <a:lstStyle/>
           <a:p>
-            <a:fld id="{2B345446-B91C-405D-AAF7-141C74AB442C}" type="datetimeFigureOut">
+            <a:fld id="{9D2E084B-780B-4B8D-8894-085C8E62F857}" type="datetimeFigureOut">
               <a:rPr lang="zh-CN" altLang="en-US" smtClean="0"/>
               <a:t>2024/3/10</a:t>
             </a:fld>
@@ -2386,7 +2386,7 @@
           <p:cNvPr id="6" name="页脚占位符 5">
             <a:extLst>
               <a:ext uri="{FF2B5EF4-FFF2-40B4-BE49-F238E27FC236}">
-                <a16:creationId xmlns:a16="http://schemas.microsoft.com/office/drawing/2014/main" id="{DDBD1EAA-1234-183C-D92A-D1A41E7ED8D6}"/>
+                <a16:creationId xmlns:a16="http://schemas.microsoft.com/office/drawing/2014/main" id="{D89186B9-1B54-B8D8-5B9B-016003384E1F}"/>
               </a:ext>
             </a:extLst>
           </p:cNvPr>
@@ -2411,7 +2411,7 @@
           <p:cNvPr id="7" name="灯片编号占位符 6">
             <a:extLst>
               <a:ext uri="{FF2B5EF4-FFF2-40B4-BE49-F238E27FC236}">
-                <a16:creationId xmlns:a16="http://schemas.microsoft.com/office/drawing/2014/main" id="{BB1A4AB4-4595-B199-40B8-AD48E0253A58}"/>
+                <a16:creationId xmlns:a16="http://schemas.microsoft.com/office/drawing/2014/main" id="{60370200-4E39-9EC3-68EE-3FBEB35173F9}"/>
               </a:ext>
             </a:extLst>
           </p:cNvPr>
@@ -2427,7 +2427,7 @@
           <a:bodyPr/>
           <a:lstStyle/>
           <a:p>
-            <a:fld id="{97FAF7AB-44CF-4FDF-A9CF-EB6C51BB1434}" type="slidenum">
+            <a:fld id="{1C6DB60C-283D-45FC-9A92-1D19C85FF454}" type="slidenum">
               <a:rPr lang="zh-CN" altLang="en-US" smtClean="0"/>
               <a:t>‹#›</a:t>
             </a:fld>
@@ -2438,7 +2438,7 @@
     </p:spTree>
     <p:extLst>
       <p:ext uri="{BB962C8B-B14F-4D97-AF65-F5344CB8AC3E}">
-        <p14:creationId xmlns:p14="http://schemas.microsoft.com/office/powerpoint/2010/main" val="2784381725"/>
+        <p14:creationId xmlns:p14="http://schemas.microsoft.com/office/powerpoint/2010/main" val="665750449"/>
       </p:ext>
     </p:extLst>
   </p:cSld>
@@ -2470,7 +2470,7 @@
           <p:cNvPr id="2" name="标题 1">
             <a:extLst>
               <a:ext uri="{FF2B5EF4-FFF2-40B4-BE49-F238E27FC236}">
-                <a16:creationId xmlns:a16="http://schemas.microsoft.com/office/drawing/2014/main" id="{DC4998E4-7C02-E180-A536-A798FF24E9F8}"/>
+                <a16:creationId xmlns:a16="http://schemas.microsoft.com/office/drawing/2014/main" id="{B24E34BD-0C28-9A1A-D50E-C8850DA1928E}"/>
               </a:ext>
             </a:extLst>
           </p:cNvPr>
@@ -2507,7 +2507,7 @@
           <p:cNvPr id="3" name="图片占位符 2">
             <a:extLst>
               <a:ext uri="{FF2B5EF4-FFF2-40B4-BE49-F238E27FC236}">
-                <a16:creationId xmlns:a16="http://schemas.microsoft.com/office/drawing/2014/main" id="{FFBDE7F9-1381-0A98-F3BE-78D905C7EDB5}"/>
+                <a16:creationId xmlns:a16="http://schemas.microsoft.com/office/drawing/2014/main" id="{509C7C1B-EEB4-8720-5606-68BCD0BF6AF6}"/>
               </a:ext>
             </a:extLst>
           </p:cNvPr>
@@ -2574,7 +2574,7 @@
           <p:cNvPr id="4" name="文本占位符 3">
             <a:extLst>
               <a:ext uri="{FF2B5EF4-FFF2-40B4-BE49-F238E27FC236}">
-                <a16:creationId xmlns:a16="http://schemas.microsoft.com/office/drawing/2014/main" id="{5AB8CF82-7A79-837E-62D4-1178AF370164}"/>
+                <a16:creationId xmlns:a16="http://schemas.microsoft.com/office/drawing/2014/main" id="{F3ACE30B-BC74-215E-DEFD-6495FFA63A90}"/>
               </a:ext>
             </a:extLst>
           </p:cNvPr>
@@ -2645,7 +2645,7 @@
           <p:cNvPr id="5" name="日期占位符 4">
             <a:extLst>
               <a:ext uri="{FF2B5EF4-FFF2-40B4-BE49-F238E27FC236}">
-                <a16:creationId xmlns:a16="http://schemas.microsoft.com/office/drawing/2014/main" id="{68461EED-68CD-9070-1F8E-8C6C913D4C0A}"/>
+                <a16:creationId xmlns:a16="http://schemas.microsoft.com/office/drawing/2014/main" id="{1740E52A-3DFE-A07B-74A8-B7573A496C21}"/>
               </a:ext>
             </a:extLst>
           </p:cNvPr>
@@ -2661,7 +2661,7 @@
           <a:bodyPr/>
           <a:lstStyle/>
           <a:p>
-            <a:fld id="{2B345446-B91C-405D-AAF7-141C74AB442C}" type="datetimeFigureOut">
+            <a:fld id="{9D2E084B-780B-4B8D-8894-085C8E62F857}" type="datetimeFigureOut">
               <a:rPr lang="zh-CN" altLang="en-US" smtClean="0"/>
               <a:t>2024/3/10</a:t>
             </a:fld>
@@ -2674,7 +2674,7 @@
           <p:cNvPr id="6" name="页脚占位符 5">
             <a:extLst>
               <a:ext uri="{FF2B5EF4-FFF2-40B4-BE49-F238E27FC236}">
-                <a16:creationId xmlns:a16="http://schemas.microsoft.com/office/drawing/2014/main" id="{A8B29FDA-71E5-9FDF-0BFC-C7A5BDFC1BA6}"/>
+                <a16:creationId xmlns:a16="http://schemas.microsoft.com/office/drawing/2014/main" id="{115F7B53-365A-EF41-558C-033C87B1B6A3}"/>
               </a:ext>
             </a:extLst>
           </p:cNvPr>
@@ -2699,7 +2699,7 @@
           <p:cNvPr id="7" name="灯片编号占位符 6">
             <a:extLst>
               <a:ext uri="{FF2B5EF4-FFF2-40B4-BE49-F238E27FC236}">
-                <a16:creationId xmlns:a16="http://schemas.microsoft.com/office/drawing/2014/main" id="{DA3294DE-6A10-B02B-0104-FB9726E5FFD0}"/>
+                <a16:creationId xmlns:a16="http://schemas.microsoft.com/office/drawing/2014/main" id="{2625932D-7A3F-E705-8CB9-1FB493662EF5}"/>
               </a:ext>
             </a:extLst>
           </p:cNvPr>
@@ -2715,7 +2715,7 @@
           <a:bodyPr/>
           <a:lstStyle/>
           <a:p>
-            <a:fld id="{97FAF7AB-44CF-4FDF-A9CF-EB6C51BB1434}" type="slidenum">
+            <a:fld id="{1C6DB60C-283D-45FC-9A92-1D19C85FF454}" type="slidenum">
               <a:rPr lang="zh-CN" altLang="en-US" smtClean="0"/>
               <a:t>‹#›</a:t>
             </a:fld>
@@ -2726,7 +2726,7 @@
     </p:spTree>
     <p:extLst>
       <p:ext uri="{BB962C8B-B14F-4D97-AF65-F5344CB8AC3E}">
-        <p14:creationId xmlns:p14="http://schemas.microsoft.com/office/powerpoint/2010/main" val="2560355534"/>
+        <p14:creationId xmlns:p14="http://schemas.microsoft.com/office/powerpoint/2010/main" val="4237484987"/>
       </p:ext>
     </p:extLst>
   </p:cSld>
@@ -2763,7 +2763,7 @@
           <p:cNvPr id="2" name="标题占位符 1">
             <a:extLst>
               <a:ext uri="{FF2B5EF4-FFF2-40B4-BE49-F238E27FC236}">
-                <a16:creationId xmlns:a16="http://schemas.microsoft.com/office/drawing/2014/main" id="{F256AFAD-5E20-50CA-452E-2140EDFD94F1}"/>
+                <a16:creationId xmlns:a16="http://schemas.microsoft.com/office/drawing/2014/main" id="{12533A31-37EC-F7DE-4E52-8B70CFA9D43B}"/>
               </a:ext>
             </a:extLst>
           </p:cNvPr>
@@ -2801,7 +2801,7 @@
           <p:cNvPr id="3" name="文本占位符 2">
             <a:extLst>
               <a:ext uri="{FF2B5EF4-FFF2-40B4-BE49-F238E27FC236}">
-                <a16:creationId xmlns:a16="http://schemas.microsoft.com/office/drawing/2014/main" id="{1370D4EE-6551-CA04-7933-CCFD625D57AF}"/>
+                <a16:creationId xmlns:a16="http://schemas.microsoft.com/office/drawing/2014/main" id="{2EE10785-11D3-C756-AAC5-AF8D0D2E72E0}"/>
               </a:ext>
             </a:extLst>
           </p:cNvPr>
@@ -2868,7 +2868,7 @@
           <p:cNvPr id="4" name="日期占位符 3">
             <a:extLst>
               <a:ext uri="{FF2B5EF4-FFF2-40B4-BE49-F238E27FC236}">
-                <a16:creationId xmlns:a16="http://schemas.microsoft.com/office/drawing/2014/main" id="{52D1821B-95D7-1BC0-A657-5EB550489297}"/>
+                <a16:creationId xmlns:a16="http://schemas.microsoft.com/office/drawing/2014/main" id="{2038C0D8-56AC-3A38-CA7C-245FA668F02D}"/>
               </a:ext>
             </a:extLst>
           </p:cNvPr>
@@ -2902,7 +2902,7 @@
             </a:lvl1pPr>
           </a:lstStyle>
           <a:p>
-            <a:fld id="{2B345446-B91C-405D-AAF7-141C74AB442C}" type="datetimeFigureOut">
+            <a:fld id="{9D2E084B-780B-4B8D-8894-085C8E62F857}" type="datetimeFigureOut">
               <a:rPr lang="zh-CN" altLang="en-US" smtClean="0"/>
               <a:t>2024/3/10</a:t>
             </a:fld>
@@ -2915,7 +2915,7 @@
           <p:cNvPr id="5" name="页脚占位符 4">
             <a:extLst>
               <a:ext uri="{FF2B5EF4-FFF2-40B4-BE49-F238E27FC236}">
-                <a16:creationId xmlns:a16="http://schemas.microsoft.com/office/drawing/2014/main" id="{7BA2CF40-A7AB-0EC7-38E9-4AE2C891016B}"/>
+                <a16:creationId xmlns:a16="http://schemas.microsoft.com/office/drawing/2014/main" id="{7C4A67C0-F70A-3564-9950-1F90C38BE5C7}"/>
               </a:ext>
             </a:extLst>
           </p:cNvPr>
@@ -2958,7 +2958,7 @@
           <p:cNvPr id="6" name="灯片编号占位符 5">
             <a:extLst>
               <a:ext uri="{FF2B5EF4-FFF2-40B4-BE49-F238E27FC236}">
-                <a16:creationId xmlns:a16="http://schemas.microsoft.com/office/drawing/2014/main" id="{1370CC37-3C3D-8C2E-7183-AC0BB5B9D367}"/>
+                <a16:creationId xmlns:a16="http://schemas.microsoft.com/office/drawing/2014/main" id="{26C573EA-5FC7-7061-9258-BAD877CE7858}"/>
               </a:ext>
             </a:extLst>
           </p:cNvPr>
@@ -2992,7 +2992,7 @@
             </a:lvl1pPr>
           </a:lstStyle>
           <a:p>
-            <a:fld id="{97FAF7AB-44CF-4FDF-A9CF-EB6C51BB1434}" type="slidenum">
+            <a:fld id="{1C6DB60C-283D-45FC-9A92-1D19C85FF454}" type="slidenum">
               <a:rPr lang="zh-CN" altLang="en-US" smtClean="0"/>
               <a:t>‹#›</a:t>
             </a:fld>
@@ -3003,7 +3003,7 @@
     </p:spTree>
     <p:extLst>
       <p:ext uri="{BB962C8B-B14F-4D97-AF65-F5344CB8AC3E}">
-        <p14:creationId xmlns:p14="http://schemas.microsoft.com/office/powerpoint/2010/main" val="6029153"/>
+        <p14:creationId xmlns:p14="http://schemas.microsoft.com/office/powerpoint/2010/main" val="3868081764"/>
       </p:ext>
     </p:extLst>
   </p:cSld>
